--- a/templates/template-speaker-v0.2.pptx
+++ b/templates/template-speaker-v0.2.pptx
@@ -2132,7 +2132,7 @@
               <a:rPr lang="en-US" smtClean="0">
                 <a:latin typeface="Segoe UI" pitchFamily="34" charset="0"/>
               </a:rPr>
-              <a:t>4/13/2020 6:14 PM</a:t>
+              <a:t>4/13/2020 10:48 PM</a:t>
             </a:fld>
             <a:endParaRPr lang="en-US">
               <a:latin typeface="Segoe UI" pitchFamily="34" charset="0"/>
@@ -2410,7 +2410,7 @@
           <a:p>
             <a:fld id="{386CE63F-9E7F-4C04-9D0D-FCA25A8E9E86}" type="datetime8">
               <a:rPr lang="en-US" smtClean="0"/>
-              <a:t>4/13/2020 6:14 PM</a:t>
+              <a:t>4/13/2020 9:13 PM</a:t>
             </a:fld>
             <a:endParaRPr lang="en-US"/>
           </a:p>
@@ -32686,7 +32686,23 @@
                 </a:gradFill>
                 <a:hlinkClick r:id="rId2"/>
               </a:rPr>
-              <a:t>https://bit.ly/</a:t>
+              <a:t>https://sv.krazure.com/</a:t>
+            </a:r>
+            <a:r>
+              <a:rPr lang="en-US" altLang="ko-KR" sz="2000" dirty="0">
+                <a:gradFill>
+                  <a:gsLst>
+                    <a:gs pos="2917">
+                      <a:schemeClr val="tx1"/>
+                    </a:gs>
+                    <a:gs pos="30000">
+                      <a:schemeClr val="tx1"/>
+                    </a:gs>
+                  </a:gsLst>
+                  <a:lin ang="5400000" scaled="0"/>
+                </a:gradFill>
+              </a:rPr>
+              <a:t>(</a:t>
             </a:r>
             <a:r>
               <a:rPr lang="ko-KR" altLang="en-US" sz="2000" dirty="0" err="1">
@@ -32702,21 +32718,56 @@
                   <a:lin ang="5400000" scaled="0"/>
                 </a:gradFill>
               </a:rPr>
-              <a:t>서베이주소</a:t>
+              <a:t>세션명</a:t>
             </a:r>
-            <a:endParaRPr lang="en-US" altLang="ko-KR" sz="2000" dirty="0">
-              <a:gradFill>
-                <a:gsLst>
-                  <a:gs pos="2917">
-                    <a:schemeClr val="tx1"/>
-                  </a:gs>
-                  <a:gs pos="30000">
-                    <a:schemeClr val="tx1"/>
-                  </a:gs>
-                </a:gsLst>
-                <a:lin ang="5400000" scaled="0"/>
-              </a:gradFill>
-            </a:endParaRPr>
+            <a:r>
+              <a:rPr lang="en-US" altLang="ko-KR" sz="2000" dirty="0">
+                <a:gradFill>
+                  <a:gsLst>
+                    <a:gs pos="2917">
+                      <a:schemeClr val="tx1"/>
+                    </a:gs>
+                    <a:gs pos="30000">
+                      <a:schemeClr val="tx1"/>
+                    </a:gs>
+                  </a:gsLst>
+                  <a:lin ang="5400000" scaled="0"/>
+                </a:gradFill>
+              </a:rPr>
+              <a:t>)_(</a:t>
+            </a:r>
+            <a:r>
+              <a:rPr lang="ko-KR" altLang="en-US" sz="2000" dirty="0">
+                <a:gradFill>
+                  <a:gsLst>
+                    <a:gs pos="2917">
+                      <a:schemeClr val="tx1"/>
+                    </a:gs>
+                    <a:gs pos="30000">
+                      <a:schemeClr val="tx1"/>
+                    </a:gs>
+                  </a:gsLst>
+                  <a:lin ang="5400000" scaled="0"/>
+                </a:gradFill>
+              </a:rPr>
+              <a:t>순서</a:t>
+            </a:r>
+            <a:r>
+              <a:rPr lang="en-US" altLang="ko-KR" sz="2000" dirty="0">
+                <a:gradFill>
+                  <a:gsLst>
+                    <a:gs pos="2917">
+                      <a:schemeClr val="tx1"/>
+                    </a:gs>
+                    <a:gs pos="30000">
+                      <a:schemeClr val="tx1"/>
+                    </a:gs>
+                  </a:gsLst>
+                  <a:lin ang="5400000" scaled="0"/>
+                </a:gradFill>
+              </a:rPr>
+              <a:t>)</a:t>
+            </a:r>
           </a:p>
           <a:p>
             <a:pPr algn="l"/>
@@ -33513,54 +33564,6 @@
       </p:grpSpPr>
       <p:sp>
         <p:nvSpPr>
-          <p:cNvPr id="4" name="TextBox 3">
-            <a:extLst>
-              <a:ext uri="{FF2B5EF4-FFF2-40B4-BE49-F238E27FC236}">
-                <a16:creationId xmlns:a16="http://schemas.microsoft.com/office/drawing/2014/main" id="{5121841B-DB4C-A045-8F4F-56A91AEF119B}"/>
-              </a:ext>
-            </a:extLst>
-          </p:cNvPr>
-          <p:cNvSpPr txBox="1"/>
-          <p:nvPr/>
-        </p:nvSpPr>
-        <p:spPr>
-          <a:xfrm>
-            <a:off x="4533418" y="3275112"/>
-            <a:ext cx="3125164" cy="306000"/>
-          </a:xfrm>
-          <a:prstGeom prst="rect">
-            <a:avLst/>
-          </a:prstGeom>
-          <a:noFill/>
-        </p:spPr>
-        <p:txBody>
-          <a:bodyPr wrap="square" lIns="0" tIns="0" rIns="0" bIns="0" rtlCol="0" anchor="ctr" anchorCtr="0">
-            <a:spAutoFit/>
-          </a:bodyPr>
-          <a:lstStyle/>
-          <a:p>
-            <a:pPr algn="ctr"/>
-            <a:r>
-              <a:rPr lang="en-US" sz="2000" dirty="0">
-                <a:gradFill>
-                  <a:gsLst>
-                    <a:gs pos="2917">
-                      <a:schemeClr val="tx1"/>
-                    </a:gs>
-                    <a:gs pos="30000">
-                      <a:schemeClr val="tx1"/>
-                    </a:gs>
-                  </a:gsLst>
-                  <a:lin ang="5400000" scaled="0"/>
-                </a:gradFill>
-              </a:rPr>
-              <a:t>Sponsor Logos Here</a:t>
-            </a:r>
-          </a:p>
-        </p:txBody>
-      </p:sp>
-      <p:sp>
-        <p:nvSpPr>
           <p:cNvPr id="2" name="Text Placeholder 1">
             <a:extLst>
               <a:ext uri="{FF2B5EF4-FFF2-40B4-BE49-F238E27FC236}">
@@ -33584,6 +33587,216 @@
               <a:rPr lang="en-US" dirty="0"/>
               <a:t>Session Title</a:t>
             </a:r>
+          </a:p>
+        </p:txBody>
+      </p:sp>
+      <p:pic>
+        <p:nvPicPr>
+          <p:cNvPr id="5" name="Picture 3">
+            <a:extLst>
+              <a:ext uri="{FF2B5EF4-FFF2-40B4-BE49-F238E27FC236}">
+                <a16:creationId xmlns:a16="http://schemas.microsoft.com/office/drawing/2014/main" id="{32BC8A7F-2194-450F-B334-6C5F1EC1AABE}"/>
+              </a:ext>
+            </a:extLst>
+          </p:cNvPr>
+          <p:cNvPicPr>
+            <a:picLocks noChangeAspect="1"/>
+          </p:cNvPicPr>
+          <p:nvPr/>
+        </p:nvPicPr>
+        <p:blipFill>
+          <a:blip r:embed="rId2"/>
+          <a:stretch>
+            <a:fillRect/>
+          </a:stretch>
+        </p:blipFill>
+        <p:spPr>
+          <a:xfrm>
+            <a:off x="484632" y="2942323"/>
+            <a:ext cx="3517119" cy="967207"/>
+          </a:xfrm>
+          <a:prstGeom prst="rect">
+            <a:avLst/>
+          </a:prstGeom>
+        </p:spPr>
+      </p:pic>
+      <p:pic>
+        <p:nvPicPr>
+          <p:cNvPr id="6" name="Picture 4">
+            <a:extLst>
+              <a:ext uri="{FF2B5EF4-FFF2-40B4-BE49-F238E27FC236}">
+                <a16:creationId xmlns:a16="http://schemas.microsoft.com/office/drawing/2014/main" id="{C1546B4B-1809-4A42-9F2D-291F4D5BE513}"/>
+              </a:ext>
+            </a:extLst>
+          </p:cNvPr>
+          <p:cNvPicPr>
+            <a:picLocks noChangeAspect="1"/>
+          </p:cNvPicPr>
+          <p:nvPr/>
+        </p:nvPicPr>
+        <p:blipFill>
+          <a:blip r:embed="rId3"/>
+          <a:stretch>
+            <a:fillRect/>
+          </a:stretch>
+        </p:blipFill>
+        <p:spPr>
+          <a:xfrm>
+            <a:off x="4310676" y="3085458"/>
+            <a:ext cx="3537345" cy="680938"/>
+          </a:xfrm>
+          <a:prstGeom prst="rect">
+            <a:avLst/>
+          </a:prstGeom>
+        </p:spPr>
+      </p:pic>
+      <p:pic>
+        <p:nvPicPr>
+          <p:cNvPr id="7" name="MS logo gray - EMF" descr="Microsoft logo, gray text version">
+            <a:extLst>
+              <a:ext uri="{FF2B5EF4-FFF2-40B4-BE49-F238E27FC236}">
+                <a16:creationId xmlns:a16="http://schemas.microsoft.com/office/drawing/2014/main" id="{04C0970C-AAAC-44D1-90CF-ECAE190E4C93}"/>
+              </a:ext>
+            </a:extLst>
+          </p:cNvPr>
+          <p:cNvPicPr>
+            <a:picLocks noChangeAspect="1"/>
+          </p:cNvPicPr>
+          <p:nvPr/>
+        </p:nvPicPr>
+        <p:blipFill>
+          <a:blip r:embed="rId4" cstate="email">
+            <a:extLst>
+              <a:ext uri="{28A0092B-C50C-407E-A947-70E740481C1C}">
+                <a14:useLocalDpi xmlns:a14="http://schemas.microsoft.com/office/drawing/2010/main"/>
+              </a:ext>
+            </a:extLst>
+          </a:blip>
+          <a:stretch>
+            <a:fillRect/>
+          </a:stretch>
+        </p:blipFill>
+        <p:spPr bwMode="black">
+          <a:xfrm>
+            <a:off x="8162336" y="3048139"/>
+            <a:ext cx="3517120" cy="755578"/>
+          </a:xfrm>
+          <a:prstGeom prst="rect">
+            <a:avLst/>
+          </a:prstGeom>
+        </p:spPr>
+      </p:pic>
+      <p:sp>
+        <p:nvSpPr>
+          <p:cNvPr id="8" name="Rectangle 8">
+            <a:extLst>
+              <a:ext uri="{FF2B5EF4-FFF2-40B4-BE49-F238E27FC236}">
+                <a16:creationId xmlns:a16="http://schemas.microsoft.com/office/drawing/2014/main" id="{6FB17317-9C48-41B8-A17C-478868354911}"/>
+              </a:ext>
+            </a:extLst>
+          </p:cNvPr>
+          <p:cNvSpPr/>
+          <p:nvPr/>
+        </p:nvSpPr>
+        <p:spPr>
+          <a:xfrm>
+            <a:off x="440926" y="5859938"/>
+            <a:ext cx="11310147" cy="369332"/>
+          </a:xfrm>
+          <a:prstGeom prst="rect">
+            <a:avLst/>
+          </a:prstGeom>
+        </p:spPr>
+        <p:txBody>
+          <a:bodyPr wrap="none">
+            <a:spAutoFit/>
+          </a:bodyPr>
+          <a:lstStyle/>
+          <a:p>
+            <a:r>
+              <a:rPr lang="en-US" b="1" dirty="0">
+                <a:latin typeface="Segoe UI Symbol" panose="020B0502040204020203" pitchFamily="34" charset="0"/>
+                <a:ea typeface="Segoe UI Symbol" panose="020B0502040204020203" pitchFamily="34" charset="0"/>
+              </a:rPr>
+              <a:t>Global Azure Virtual</a:t>
+            </a:r>
+            <a:r>
+              <a:rPr lang="ko-KR" altLang="en-US" b="1" dirty="0">
+                <a:latin typeface="Segoe UI Symbol" panose="020B0502040204020203" pitchFamily="34" charset="0"/>
+                <a:ea typeface="Segoe UI Symbol" panose="020B0502040204020203" pitchFamily="34" charset="0"/>
+              </a:rPr>
+              <a:t> </a:t>
+            </a:r>
+            <a:r>
+              <a:rPr lang="en-US" b="1" dirty="0">
+                <a:latin typeface="Segoe UI Symbol" panose="020B0502040204020203" pitchFamily="34" charset="0"/>
+                <a:ea typeface="Segoe UI Symbol" panose="020B0502040204020203" pitchFamily="34" charset="0"/>
+              </a:rPr>
+              <a:t>2020</a:t>
+            </a:r>
+            <a:r>
+              <a:rPr lang="ko-KR" altLang="en-US" b="1" dirty="0">
+                <a:latin typeface="Segoe UI Symbol" panose="020B0502040204020203" pitchFamily="34" charset="0"/>
+                <a:ea typeface="Segoe UI Symbol" panose="020B0502040204020203" pitchFamily="34" charset="0"/>
+              </a:rPr>
+              <a:t> 는 </a:t>
+            </a:r>
+            <a:r>
+              <a:rPr lang="ko-KR" altLang="en-US" b="1" dirty="0" err="1">
+                <a:latin typeface="Segoe UI Symbol" panose="020B0502040204020203" pitchFamily="34" charset="0"/>
+                <a:ea typeface="Segoe UI Symbol" panose="020B0502040204020203" pitchFamily="34" charset="0"/>
+              </a:rPr>
+              <a:t>클라우드메이트</a:t>
+            </a:r>
+            <a:r>
+              <a:rPr lang="en-US" altLang="ko-KR" b="1" dirty="0">
+                <a:latin typeface="Segoe UI Symbol" panose="020B0502040204020203" pitchFamily="34" charset="0"/>
+                <a:ea typeface="Segoe UI Symbol" panose="020B0502040204020203" pitchFamily="34" charset="0"/>
+              </a:rPr>
+              <a:t>,</a:t>
+            </a:r>
+            <a:r>
+              <a:rPr lang="ko-KR" altLang="en-US" b="1" dirty="0">
+                <a:latin typeface="Segoe UI Symbol" panose="020B0502040204020203" pitchFamily="34" charset="0"/>
+                <a:ea typeface="Segoe UI Symbol" panose="020B0502040204020203" pitchFamily="34" charset="0"/>
+              </a:rPr>
+              <a:t> </a:t>
+            </a:r>
+            <a:r>
+              <a:rPr lang="ko-KR" altLang="en-US" b="1" dirty="0" err="1">
+                <a:latin typeface="Segoe UI Symbol" panose="020B0502040204020203" pitchFamily="34" charset="0"/>
+                <a:ea typeface="Segoe UI Symbol" panose="020B0502040204020203" pitchFamily="34" charset="0"/>
+              </a:rPr>
+              <a:t>클라우드젠</a:t>
+            </a:r>
+            <a:r>
+              <a:rPr lang="en-US" altLang="ko-KR" b="1" dirty="0">
+                <a:latin typeface="Segoe UI Symbol" panose="020B0502040204020203" pitchFamily="34" charset="0"/>
+                <a:ea typeface="Segoe UI Symbol" panose="020B0502040204020203" pitchFamily="34" charset="0"/>
+              </a:rPr>
+              <a:t>,</a:t>
+            </a:r>
+            <a:r>
+              <a:rPr lang="ko-KR" altLang="en-US" b="1" dirty="0">
+                <a:latin typeface="Segoe UI Symbol" panose="020B0502040204020203" pitchFamily="34" charset="0"/>
+                <a:ea typeface="Segoe UI Symbol" panose="020B0502040204020203" pitchFamily="34" charset="0"/>
+              </a:rPr>
+              <a:t> 마이크로소프트의 후원을 받아 진행되고 있습니다</a:t>
+            </a:r>
+            <a:r>
+              <a:rPr lang="en-US" altLang="ko-KR" b="1" dirty="0">
+                <a:latin typeface="Segoe UI Symbol" panose="020B0502040204020203" pitchFamily="34" charset="0"/>
+                <a:ea typeface="Segoe UI Symbol" panose="020B0502040204020203" pitchFamily="34" charset="0"/>
+              </a:rPr>
+              <a:t>.</a:t>
+            </a:r>
+            <a:r>
+              <a:rPr lang="ko-KR" altLang="en-US" b="1" dirty="0">
+                <a:latin typeface="Segoe UI Symbol" panose="020B0502040204020203" pitchFamily="34" charset="0"/>
+              </a:rPr>
+              <a:t> </a:t>
+            </a:r>
+            <a:endParaRPr lang="en-KR" dirty="0"/>
           </a:p>
         </p:txBody>
       </p:sp>
@@ -34707,17 +34920,6 @@
 </file>
 
 <file path=customXml/item2.xml><?xml version="1.0" encoding="utf-8"?>
-<p:properties xmlns:p="http://schemas.microsoft.com/office/2006/metadata/properties" xmlns:xsi="http://www.w3.org/2001/XMLSchema-instance" xmlns:pc="http://schemas.microsoft.com/office/infopath/2007/PartnerControls">
-  <documentManagement>
-    <MediaServiceKeyPoints xmlns="16dc66bd-df5a-4495-a5c9-5e296f49988a" xsi:nil="true"/>
-    <_ip_UnifiedCompliancePolicyUIAction xmlns="http://schemas.microsoft.com/sharepoint/v3" xsi:nil="true"/>
-    <MediaServiceTranscript xmlns="16dc66bd-df5a-4495-a5c9-5e296f49988a" xsi:nil="true"/>
-    <_ip_UnifiedCompliancePolicyProperties xmlns="http://schemas.microsoft.com/sharepoint/v3" xsi:nil="true"/>
-  </documentManagement>
-</p:properties>
-</file>
-
-<file path=customXml/item3.xml><?xml version="1.0" encoding="utf-8"?>
 <ct:contentTypeSchema xmlns:ct="http://schemas.microsoft.com/office/2006/metadata/contentType" xmlns:ma="http://schemas.microsoft.com/office/2006/metadata/properties/metaAttributes" ct:_="" ma:_="" ma:contentTypeName="Document" ma:contentTypeID="0x010100A33D2391BFF58241AEB203BD95DC1F89" ma:contentTypeVersion="17" ma:contentTypeDescription="Create a new document." ma:contentTypeScope="" ma:versionID="8ec581d6c997ba8fdfd9901fdcef9afd">
   <xsd:schema xmlns:xsd="http://www.w3.org/2001/XMLSchema" xmlns:xs="http://www.w3.org/2001/XMLSchema" xmlns:p="http://schemas.microsoft.com/office/2006/metadata/properties" xmlns:ns1="http://schemas.microsoft.com/sharepoint/v3" xmlns:ns2="16dc66bd-df5a-4495-a5c9-5e296f49988a" xmlns:ns3="12239fb0-26c0-4a37-b790-6c81fba9d0fc" targetNamespace="http://schemas.microsoft.com/office/2006/metadata/properties" ma:root="true" ma:fieldsID="db6400918fff18b1f0872009fae373a7" ns1:_="" ns2:_="" ns3:_="">
     <xsd:import namespace="http://schemas.microsoft.com/sharepoint/v3"/>
@@ -34969,6 +35171,17 @@
 </ct:contentTypeSchema>
 </file>
 
+<file path=customXml/item3.xml><?xml version="1.0" encoding="utf-8"?>
+<p:properties xmlns:p="http://schemas.microsoft.com/office/2006/metadata/properties" xmlns:xsi="http://www.w3.org/2001/XMLSchema-instance" xmlns:pc="http://schemas.microsoft.com/office/infopath/2007/PartnerControls">
+  <documentManagement>
+    <MediaServiceKeyPoints xmlns="16dc66bd-df5a-4495-a5c9-5e296f49988a" xsi:nil="true"/>
+    <_ip_UnifiedCompliancePolicyUIAction xmlns="http://schemas.microsoft.com/sharepoint/v3" xsi:nil="true"/>
+    <MediaServiceTranscript xmlns="16dc66bd-df5a-4495-a5c9-5e296f49988a" xsi:nil="true"/>
+    <_ip_UnifiedCompliancePolicyProperties xmlns="http://schemas.microsoft.com/sharepoint/v3" xsi:nil="true"/>
+  </documentManagement>
+</p:properties>
+</file>
+
 <file path=customXml/itemProps1.xml><?xml version="1.0" encoding="utf-8"?>
 <ds:datastoreItem xmlns:ds="http://schemas.openxmlformats.org/officeDocument/2006/customXml" ds:itemID="{758FDAC0-319D-4A54-8D8E-1D42CB1F8004}">
   <ds:schemaRefs>
@@ -34978,17 +35191,6 @@
 </file>
 
 <file path=customXml/itemProps2.xml><?xml version="1.0" encoding="utf-8"?>
-<ds:datastoreItem xmlns:ds="http://schemas.openxmlformats.org/officeDocument/2006/customXml" ds:itemID="{F990F116-B58F-4255-B05B-DA3808E0E5C6}">
-  <ds:schemaRefs>
-    <ds:schemaRef ds:uri="http://schemas.microsoft.com/office/2006/metadata/properties"/>
-    <ds:schemaRef ds:uri="http://schemas.microsoft.com/office/infopath/2007/PartnerControls"/>
-    <ds:schemaRef ds:uri="16dc66bd-df5a-4495-a5c9-5e296f49988a"/>
-    <ds:schemaRef ds:uri="http://schemas.microsoft.com/sharepoint/v3"/>
-  </ds:schemaRefs>
-</ds:datastoreItem>
-</file>
-
-<file path=customXml/itemProps3.xml><?xml version="1.0" encoding="utf-8"?>
 <ds:datastoreItem xmlns:ds="http://schemas.openxmlformats.org/officeDocument/2006/customXml" ds:itemID="{1CEDFB73-5D7B-437A-8BF0-270237E51025}">
   <ds:schemaRefs>
     <ds:schemaRef ds:uri="http://schemas.microsoft.com/office/2006/metadata/contentType"/>
@@ -35006,4 +35208,15 @@
     <ds:schemaRef ds:uri="http://schemas.microsoft.com/internal/obd"/>
   </ds:schemaRefs>
 </ds:datastoreItem>
+</file>
+
+<file path=customXml/itemProps3.xml><?xml version="1.0" encoding="utf-8"?>
+<ds:datastoreItem xmlns:ds="http://schemas.openxmlformats.org/officeDocument/2006/customXml" ds:itemID="{F990F116-B58F-4255-B05B-DA3808E0E5C6}">
+  <ds:schemaRefs>
+    <ds:schemaRef ds:uri="http://schemas.microsoft.com/office/2006/metadata/properties"/>
+    <ds:schemaRef ds:uri="http://schemas.microsoft.com/office/infopath/2007/PartnerControls"/>
+    <ds:schemaRef ds:uri="16dc66bd-df5a-4495-a5c9-5e296f49988a"/>
+    <ds:schemaRef ds:uri="http://schemas.microsoft.com/sharepoint/v3"/>
+  </ds:schemaRefs>
+</ds:datastoreItem>
 </file>
--- a/templates/template-speaker-v0.2.pptx
+++ b/templates/template-speaker-v0.2.pptx
@@ -2132,7 +2132,7 @@
               <a:rPr lang="en-US" smtClean="0">
                 <a:latin typeface="Segoe UI" pitchFamily="34" charset="0"/>
               </a:rPr>
-              <a:t>4/13/2020 6:14 PM</a:t>
+              <a:t>4/13/2020 10:56 PM</a:t>
             </a:fld>
             <a:endParaRPr lang="en-US">
               <a:latin typeface="Segoe UI" pitchFamily="34" charset="0"/>
@@ -2410,7 +2410,7 @@
           <a:p>
             <a:fld id="{386CE63F-9E7F-4C04-9D0D-FCA25A8E9E86}" type="datetime8">
               <a:rPr lang="en-US" smtClean="0"/>
-              <a:t>4/13/2020 6:14 PM</a:t>
+              <a:t>4/13/2020 10:56 PM</a:t>
             </a:fld>
             <a:endParaRPr lang="en-US"/>
           </a:p>
@@ -32450,7 +32450,7 @@
         <p:spPr>
           <a:xfrm>
             <a:off x="636104" y="1977887"/>
-            <a:ext cx="6818581" cy="3693319"/>
+            <a:ext cx="6818581" cy="3077766"/>
           </a:xfrm>
           <a:prstGeom prst="rect">
             <a:avLst/>
@@ -32686,7 +32686,23 @@
                 </a:gradFill>
                 <a:hlinkClick r:id="rId2"/>
               </a:rPr>
-              <a:t>https://bit.ly/</a:t>
+              <a:t>https://sv.krazure.com/</a:t>
+            </a:r>
+            <a:r>
+              <a:rPr lang="en-US" altLang="ko-KR" sz="2000" dirty="0">
+                <a:gradFill>
+                  <a:gsLst>
+                    <a:gs pos="2917">
+                      <a:schemeClr val="tx1"/>
+                    </a:gs>
+                    <a:gs pos="30000">
+                      <a:schemeClr val="tx1"/>
+                    </a:gs>
+                  </a:gsLst>
+                  <a:lin ang="5400000" scaled="0"/>
+                </a:gradFill>
+              </a:rPr>
+              <a:t>(</a:t>
             </a:r>
             <a:r>
               <a:rPr lang="ko-KR" altLang="en-US" sz="2000" dirty="0" err="1">
@@ -32702,21 +32718,56 @@
                   <a:lin ang="5400000" scaled="0"/>
                 </a:gradFill>
               </a:rPr>
-              <a:t>서베이주소</a:t>
+              <a:t>세션명</a:t>
             </a:r>
-            <a:endParaRPr lang="en-US" altLang="ko-KR" sz="2000" dirty="0">
-              <a:gradFill>
-                <a:gsLst>
-                  <a:gs pos="2917">
-                    <a:schemeClr val="tx1"/>
-                  </a:gs>
-                  <a:gs pos="30000">
-                    <a:schemeClr val="tx1"/>
-                  </a:gs>
-                </a:gsLst>
-                <a:lin ang="5400000" scaled="0"/>
-              </a:gradFill>
-            </a:endParaRPr>
+            <a:r>
+              <a:rPr lang="en-US" altLang="ko-KR" sz="2000" dirty="0">
+                <a:gradFill>
+                  <a:gsLst>
+                    <a:gs pos="2917">
+                      <a:schemeClr val="tx1"/>
+                    </a:gs>
+                    <a:gs pos="30000">
+                      <a:schemeClr val="tx1"/>
+                    </a:gs>
+                  </a:gsLst>
+                  <a:lin ang="5400000" scaled="0"/>
+                </a:gradFill>
+              </a:rPr>
+              <a:t>)_(</a:t>
+            </a:r>
+            <a:r>
+              <a:rPr lang="ko-KR" altLang="en-US" sz="2000" dirty="0">
+                <a:gradFill>
+                  <a:gsLst>
+                    <a:gs pos="2917">
+                      <a:schemeClr val="tx1"/>
+                    </a:gs>
+                    <a:gs pos="30000">
+                      <a:schemeClr val="tx1"/>
+                    </a:gs>
+                  </a:gsLst>
+                  <a:lin ang="5400000" scaled="0"/>
+                </a:gradFill>
+              </a:rPr>
+              <a:t>순서</a:t>
+            </a:r>
+            <a:r>
+              <a:rPr lang="en-US" altLang="ko-KR" sz="2000" dirty="0">
+                <a:gradFill>
+                  <a:gsLst>
+                    <a:gs pos="2917">
+                      <a:schemeClr val="tx1"/>
+                    </a:gs>
+                    <a:gs pos="30000">
+                      <a:schemeClr val="tx1"/>
+                    </a:gs>
+                  </a:gsLst>
+                  <a:lin ang="5400000" scaled="0"/>
+                </a:gradFill>
+              </a:rPr>
+              <a:t>)</a:t>
+            </a:r>
           </a:p>
           <a:p>
             <a:pPr algn="l"/>
@@ -32783,9 +32834,40 @@
                   </a:gsLst>
                   <a:lin ang="5400000" scaled="0"/>
                 </a:gradFill>
+                <a:hlinkClick r:id="rId3"/>
               </a:rPr>
-              <a:t>https://forms.microsoft.com/Pages/ResponsePage.aspx?id=uodQeHIefU6x0UqWORN6ZjvzjrB27TtCqbusB9Q0unZUN05IMlFJOTFGQTNESkk2TDVaOTVEVkhGRyQlQCN0PWcu</a:t>
+              <a:t>https://bit.ly</a:t>
             </a:r>
+            <a:r>
+              <a:rPr lang="en-US" altLang="ko-KR" sz="2000">
+                <a:gradFill>
+                  <a:gsLst>
+                    <a:gs pos="2917">
+                      <a:schemeClr val="tx1"/>
+                    </a:gs>
+                    <a:gs pos="30000">
+                      <a:schemeClr val="tx1"/>
+                    </a:gs>
+                  </a:gsLst>
+                  <a:lin ang="5400000" scaled="0"/>
+                </a:gradFill>
+                <a:hlinkClick r:id="rId3"/>
+              </a:rPr>
+              <a:t>/2RvJQzR</a:t>
+            </a:r>
+            <a:endParaRPr lang="en-US" altLang="ko-KR" sz="2000" dirty="0">
+              <a:gradFill>
+                <a:gsLst>
+                  <a:gs pos="2917">
+                    <a:schemeClr val="tx1"/>
+                  </a:gs>
+                  <a:gs pos="30000">
+                    <a:schemeClr val="tx1"/>
+                  </a:gs>
+                </a:gsLst>
+                <a:lin ang="5400000" scaled="0"/>
+              </a:gradFill>
+            </a:endParaRPr>
           </a:p>
         </p:txBody>
       </p:sp>
@@ -33513,54 +33595,6 @@
       </p:grpSpPr>
       <p:sp>
         <p:nvSpPr>
-          <p:cNvPr id="4" name="TextBox 3">
-            <a:extLst>
-              <a:ext uri="{FF2B5EF4-FFF2-40B4-BE49-F238E27FC236}">
-                <a16:creationId xmlns:a16="http://schemas.microsoft.com/office/drawing/2014/main" id="{5121841B-DB4C-A045-8F4F-56A91AEF119B}"/>
-              </a:ext>
-            </a:extLst>
-          </p:cNvPr>
-          <p:cNvSpPr txBox="1"/>
-          <p:nvPr/>
-        </p:nvSpPr>
-        <p:spPr>
-          <a:xfrm>
-            <a:off x="4533418" y="3275112"/>
-            <a:ext cx="3125164" cy="306000"/>
-          </a:xfrm>
-          <a:prstGeom prst="rect">
-            <a:avLst/>
-          </a:prstGeom>
-          <a:noFill/>
-        </p:spPr>
-        <p:txBody>
-          <a:bodyPr wrap="square" lIns="0" tIns="0" rIns="0" bIns="0" rtlCol="0" anchor="ctr" anchorCtr="0">
-            <a:spAutoFit/>
-          </a:bodyPr>
-          <a:lstStyle/>
-          <a:p>
-            <a:pPr algn="ctr"/>
-            <a:r>
-              <a:rPr lang="en-US" sz="2000" dirty="0">
-                <a:gradFill>
-                  <a:gsLst>
-                    <a:gs pos="2917">
-                      <a:schemeClr val="tx1"/>
-                    </a:gs>
-                    <a:gs pos="30000">
-                      <a:schemeClr val="tx1"/>
-                    </a:gs>
-                  </a:gsLst>
-                  <a:lin ang="5400000" scaled="0"/>
-                </a:gradFill>
-              </a:rPr>
-              <a:t>Sponsor Logos Here</a:t>
-            </a:r>
-          </a:p>
-        </p:txBody>
-      </p:sp>
-      <p:sp>
-        <p:nvSpPr>
           <p:cNvPr id="2" name="Text Placeholder 1">
             <a:extLst>
               <a:ext uri="{FF2B5EF4-FFF2-40B4-BE49-F238E27FC236}">
@@ -33584,6 +33618,216 @@
               <a:rPr lang="en-US" dirty="0"/>
               <a:t>Session Title</a:t>
             </a:r>
+          </a:p>
+        </p:txBody>
+      </p:sp>
+      <p:pic>
+        <p:nvPicPr>
+          <p:cNvPr id="5" name="Picture 3">
+            <a:extLst>
+              <a:ext uri="{FF2B5EF4-FFF2-40B4-BE49-F238E27FC236}">
+                <a16:creationId xmlns:a16="http://schemas.microsoft.com/office/drawing/2014/main" id="{32BC8A7F-2194-450F-B334-6C5F1EC1AABE}"/>
+              </a:ext>
+            </a:extLst>
+          </p:cNvPr>
+          <p:cNvPicPr>
+            <a:picLocks noChangeAspect="1"/>
+          </p:cNvPicPr>
+          <p:nvPr/>
+        </p:nvPicPr>
+        <p:blipFill>
+          <a:blip r:embed="rId2"/>
+          <a:stretch>
+            <a:fillRect/>
+          </a:stretch>
+        </p:blipFill>
+        <p:spPr>
+          <a:xfrm>
+            <a:off x="484632" y="2942323"/>
+            <a:ext cx="3517119" cy="967207"/>
+          </a:xfrm>
+          <a:prstGeom prst="rect">
+            <a:avLst/>
+          </a:prstGeom>
+        </p:spPr>
+      </p:pic>
+      <p:pic>
+        <p:nvPicPr>
+          <p:cNvPr id="6" name="Picture 4">
+            <a:extLst>
+              <a:ext uri="{FF2B5EF4-FFF2-40B4-BE49-F238E27FC236}">
+                <a16:creationId xmlns:a16="http://schemas.microsoft.com/office/drawing/2014/main" id="{C1546B4B-1809-4A42-9F2D-291F4D5BE513}"/>
+              </a:ext>
+            </a:extLst>
+          </p:cNvPr>
+          <p:cNvPicPr>
+            <a:picLocks noChangeAspect="1"/>
+          </p:cNvPicPr>
+          <p:nvPr/>
+        </p:nvPicPr>
+        <p:blipFill>
+          <a:blip r:embed="rId3"/>
+          <a:stretch>
+            <a:fillRect/>
+          </a:stretch>
+        </p:blipFill>
+        <p:spPr>
+          <a:xfrm>
+            <a:off x="4310676" y="3085458"/>
+            <a:ext cx="3537345" cy="680938"/>
+          </a:xfrm>
+          <a:prstGeom prst="rect">
+            <a:avLst/>
+          </a:prstGeom>
+        </p:spPr>
+      </p:pic>
+      <p:pic>
+        <p:nvPicPr>
+          <p:cNvPr id="7" name="MS logo gray - EMF" descr="Microsoft logo, gray text version">
+            <a:extLst>
+              <a:ext uri="{FF2B5EF4-FFF2-40B4-BE49-F238E27FC236}">
+                <a16:creationId xmlns:a16="http://schemas.microsoft.com/office/drawing/2014/main" id="{04C0970C-AAAC-44D1-90CF-ECAE190E4C93}"/>
+              </a:ext>
+            </a:extLst>
+          </p:cNvPr>
+          <p:cNvPicPr>
+            <a:picLocks noChangeAspect="1"/>
+          </p:cNvPicPr>
+          <p:nvPr/>
+        </p:nvPicPr>
+        <p:blipFill>
+          <a:blip r:embed="rId4" cstate="email">
+            <a:extLst>
+              <a:ext uri="{28A0092B-C50C-407E-A947-70E740481C1C}">
+                <a14:useLocalDpi xmlns:a14="http://schemas.microsoft.com/office/drawing/2010/main"/>
+              </a:ext>
+            </a:extLst>
+          </a:blip>
+          <a:stretch>
+            <a:fillRect/>
+          </a:stretch>
+        </p:blipFill>
+        <p:spPr bwMode="black">
+          <a:xfrm>
+            <a:off x="8162336" y="3048139"/>
+            <a:ext cx="3517120" cy="755578"/>
+          </a:xfrm>
+          <a:prstGeom prst="rect">
+            <a:avLst/>
+          </a:prstGeom>
+        </p:spPr>
+      </p:pic>
+      <p:sp>
+        <p:nvSpPr>
+          <p:cNvPr id="8" name="Rectangle 8">
+            <a:extLst>
+              <a:ext uri="{FF2B5EF4-FFF2-40B4-BE49-F238E27FC236}">
+                <a16:creationId xmlns:a16="http://schemas.microsoft.com/office/drawing/2014/main" id="{6FB17317-9C48-41B8-A17C-478868354911}"/>
+              </a:ext>
+            </a:extLst>
+          </p:cNvPr>
+          <p:cNvSpPr/>
+          <p:nvPr/>
+        </p:nvSpPr>
+        <p:spPr>
+          <a:xfrm>
+            <a:off x="440926" y="5859938"/>
+            <a:ext cx="11310147" cy="369332"/>
+          </a:xfrm>
+          <a:prstGeom prst="rect">
+            <a:avLst/>
+          </a:prstGeom>
+        </p:spPr>
+        <p:txBody>
+          <a:bodyPr wrap="none">
+            <a:spAutoFit/>
+          </a:bodyPr>
+          <a:lstStyle/>
+          <a:p>
+            <a:r>
+              <a:rPr lang="en-US" b="1" dirty="0">
+                <a:latin typeface="Segoe UI Symbol" panose="020B0502040204020203" pitchFamily="34" charset="0"/>
+                <a:ea typeface="Segoe UI Symbol" panose="020B0502040204020203" pitchFamily="34" charset="0"/>
+              </a:rPr>
+              <a:t>Global Azure Virtual</a:t>
+            </a:r>
+            <a:r>
+              <a:rPr lang="ko-KR" altLang="en-US" b="1" dirty="0">
+                <a:latin typeface="Segoe UI Symbol" panose="020B0502040204020203" pitchFamily="34" charset="0"/>
+                <a:ea typeface="Segoe UI Symbol" panose="020B0502040204020203" pitchFamily="34" charset="0"/>
+              </a:rPr>
+              <a:t> </a:t>
+            </a:r>
+            <a:r>
+              <a:rPr lang="en-US" b="1" dirty="0">
+                <a:latin typeface="Segoe UI Symbol" panose="020B0502040204020203" pitchFamily="34" charset="0"/>
+                <a:ea typeface="Segoe UI Symbol" panose="020B0502040204020203" pitchFamily="34" charset="0"/>
+              </a:rPr>
+              <a:t>2020</a:t>
+            </a:r>
+            <a:r>
+              <a:rPr lang="ko-KR" altLang="en-US" b="1" dirty="0">
+                <a:latin typeface="Segoe UI Symbol" panose="020B0502040204020203" pitchFamily="34" charset="0"/>
+                <a:ea typeface="Segoe UI Symbol" panose="020B0502040204020203" pitchFamily="34" charset="0"/>
+              </a:rPr>
+              <a:t> 는 </a:t>
+            </a:r>
+            <a:r>
+              <a:rPr lang="ko-KR" altLang="en-US" b="1" dirty="0" err="1">
+                <a:latin typeface="Segoe UI Symbol" panose="020B0502040204020203" pitchFamily="34" charset="0"/>
+                <a:ea typeface="Segoe UI Symbol" panose="020B0502040204020203" pitchFamily="34" charset="0"/>
+              </a:rPr>
+              <a:t>클라우드메이트</a:t>
+            </a:r>
+            <a:r>
+              <a:rPr lang="en-US" altLang="ko-KR" b="1" dirty="0">
+                <a:latin typeface="Segoe UI Symbol" panose="020B0502040204020203" pitchFamily="34" charset="0"/>
+                <a:ea typeface="Segoe UI Symbol" panose="020B0502040204020203" pitchFamily="34" charset="0"/>
+              </a:rPr>
+              <a:t>,</a:t>
+            </a:r>
+            <a:r>
+              <a:rPr lang="ko-KR" altLang="en-US" b="1" dirty="0">
+                <a:latin typeface="Segoe UI Symbol" panose="020B0502040204020203" pitchFamily="34" charset="0"/>
+                <a:ea typeface="Segoe UI Symbol" panose="020B0502040204020203" pitchFamily="34" charset="0"/>
+              </a:rPr>
+              <a:t> </a:t>
+            </a:r>
+            <a:r>
+              <a:rPr lang="ko-KR" altLang="en-US" b="1" dirty="0" err="1">
+                <a:latin typeface="Segoe UI Symbol" panose="020B0502040204020203" pitchFamily="34" charset="0"/>
+                <a:ea typeface="Segoe UI Symbol" panose="020B0502040204020203" pitchFamily="34" charset="0"/>
+              </a:rPr>
+              <a:t>클라우드젠</a:t>
+            </a:r>
+            <a:r>
+              <a:rPr lang="en-US" altLang="ko-KR" b="1" dirty="0">
+                <a:latin typeface="Segoe UI Symbol" panose="020B0502040204020203" pitchFamily="34" charset="0"/>
+                <a:ea typeface="Segoe UI Symbol" panose="020B0502040204020203" pitchFamily="34" charset="0"/>
+              </a:rPr>
+              <a:t>,</a:t>
+            </a:r>
+            <a:r>
+              <a:rPr lang="ko-KR" altLang="en-US" b="1" dirty="0">
+                <a:latin typeface="Segoe UI Symbol" panose="020B0502040204020203" pitchFamily="34" charset="0"/>
+                <a:ea typeface="Segoe UI Symbol" panose="020B0502040204020203" pitchFamily="34" charset="0"/>
+              </a:rPr>
+              <a:t> 마이크로소프트의 후원을 받아 진행되고 있습니다</a:t>
+            </a:r>
+            <a:r>
+              <a:rPr lang="en-US" altLang="ko-KR" b="1" dirty="0">
+                <a:latin typeface="Segoe UI Symbol" panose="020B0502040204020203" pitchFamily="34" charset="0"/>
+                <a:ea typeface="Segoe UI Symbol" panose="020B0502040204020203" pitchFamily="34" charset="0"/>
+              </a:rPr>
+              <a:t>.</a:t>
+            </a:r>
+            <a:r>
+              <a:rPr lang="ko-KR" altLang="en-US" b="1" dirty="0">
+                <a:latin typeface="Segoe UI Symbol" panose="020B0502040204020203" pitchFamily="34" charset="0"/>
+              </a:rPr>
+              <a:t> </a:t>
+            </a:r>
+            <a:endParaRPr lang="en-KR" dirty="0"/>
           </a:p>
         </p:txBody>
       </p:sp>
@@ -34698,26 +34942,6 @@
 </file>
 
 <file path=customXml/item1.xml><?xml version="1.0" encoding="utf-8"?>
-<?mso-contentType ?>
-<FormTemplates xmlns="http://schemas.microsoft.com/sharepoint/v3/contenttype/forms">
-  <Display>DocumentLibraryForm</Display>
-  <Edit>DocumentLibraryForm</Edit>
-  <New>DocumentLibraryForm</New>
-</FormTemplates>
-</file>
-
-<file path=customXml/item2.xml><?xml version="1.0" encoding="utf-8"?>
-<p:properties xmlns:p="http://schemas.microsoft.com/office/2006/metadata/properties" xmlns:xsi="http://www.w3.org/2001/XMLSchema-instance" xmlns:pc="http://schemas.microsoft.com/office/infopath/2007/PartnerControls">
-  <documentManagement>
-    <MediaServiceKeyPoints xmlns="16dc66bd-df5a-4495-a5c9-5e296f49988a" xsi:nil="true"/>
-    <_ip_UnifiedCompliancePolicyUIAction xmlns="http://schemas.microsoft.com/sharepoint/v3" xsi:nil="true"/>
-    <MediaServiceTranscript xmlns="16dc66bd-df5a-4495-a5c9-5e296f49988a" xsi:nil="true"/>
-    <_ip_UnifiedCompliancePolicyProperties xmlns="http://schemas.microsoft.com/sharepoint/v3" xsi:nil="true"/>
-  </documentManagement>
-</p:properties>
-</file>
-
-<file path=customXml/item3.xml><?xml version="1.0" encoding="utf-8"?>
 <ct:contentTypeSchema xmlns:ct="http://schemas.microsoft.com/office/2006/metadata/contentType" xmlns:ma="http://schemas.microsoft.com/office/2006/metadata/properties/metaAttributes" ct:_="" ma:_="" ma:contentTypeName="Document" ma:contentTypeID="0x010100A33D2391BFF58241AEB203BD95DC1F89" ma:contentTypeVersion="17" ma:contentTypeDescription="Create a new document." ma:contentTypeScope="" ma:versionID="8ec581d6c997ba8fdfd9901fdcef9afd">
   <xsd:schema xmlns:xsd="http://www.w3.org/2001/XMLSchema" xmlns:xs="http://www.w3.org/2001/XMLSchema" xmlns:p="http://schemas.microsoft.com/office/2006/metadata/properties" xmlns:ns1="http://schemas.microsoft.com/sharepoint/v3" xmlns:ns2="16dc66bd-df5a-4495-a5c9-5e296f49988a" xmlns:ns3="12239fb0-26c0-4a37-b790-6c81fba9d0fc" targetNamespace="http://schemas.microsoft.com/office/2006/metadata/properties" ma:root="true" ma:fieldsID="db6400918fff18b1f0872009fae373a7" ns1:_="" ns2:_="" ns3:_="">
     <xsd:import namespace="http://schemas.microsoft.com/sharepoint/v3"/>
@@ -34969,26 +35193,27 @@
 </ct:contentTypeSchema>
 </file>
 
-<file path=customXml/itemProps1.xml><?xml version="1.0" encoding="utf-8"?>
-<ds:datastoreItem xmlns:ds="http://schemas.openxmlformats.org/officeDocument/2006/customXml" ds:itemID="{758FDAC0-319D-4A54-8D8E-1D42CB1F8004}">
-  <ds:schemaRefs>
-    <ds:schemaRef ds:uri="http://schemas.microsoft.com/sharepoint/v3/contenttype/forms"/>
-  </ds:schemaRefs>
-</ds:datastoreItem>
+<file path=customXml/item2.xml><?xml version="1.0" encoding="utf-8"?>
+<?mso-contentType ?>
+<FormTemplates xmlns="http://schemas.microsoft.com/sharepoint/v3/contenttype/forms">
+  <Display>DocumentLibraryForm</Display>
+  <Edit>DocumentLibraryForm</Edit>
+  <New>DocumentLibraryForm</New>
+</FormTemplates>
 </file>
 
-<file path=customXml/itemProps2.xml><?xml version="1.0" encoding="utf-8"?>
-<ds:datastoreItem xmlns:ds="http://schemas.openxmlformats.org/officeDocument/2006/customXml" ds:itemID="{F990F116-B58F-4255-B05B-DA3808E0E5C6}">
-  <ds:schemaRefs>
-    <ds:schemaRef ds:uri="http://schemas.microsoft.com/office/2006/metadata/properties"/>
-    <ds:schemaRef ds:uri="http://schemas.microsoft.com/office/infopath/2007/PartnerControls"/>
-    <ds:schemaRef ds:uri="16dc66bd-df5a-4495-a5c9-5e296f49988a"/>
-    <ds:schemaRef ds:uri="http://schemas.microsoft.com/sharepoint/v3"/>
-  </ds:schemaRefs>
-</ds:datastoreItem>
+<file path=customXml/item3.xml><?xml version="1.0" encoding="utf-8"?>
+<p:properties xmlns:p="http://schemas.microsoft.com/office/2006/metadata/properties" xmlns:xsi="http://www.w3.org/2001/XMLSchema-instance" xmlns:pc="http://schemas.microsoft.com/office/infopath/2007/PartnerControls">
+  <documentManagement>
+    <MediaServiceKeyPoints xmlns="16dc66bd-df5a-4495-a5c9-5e296f49988a" xsi:nil="true"/>
+    <_ip_UnifiedCompliancePolicyUIAction xmlns="http://schemas.microsoft.com/sharepoint/v3" xsi:nil="true"/>
+    <MediaServiceTranscript xmlns="16dc66bd-df5a-4495-a5c9-5e296f49988a" xsi:nil="true"/>
+    <_ip_UnifiedCompliancePolicyProperties xmlns="http://schemas.microsoft.com/sharepoint/v3" xsi:nil="true"/>
+  </documentManagement>
+</p:properties>
 </file>
 
-<file path=customXml/itemProps3.xml><?xml version="1.0" encoding="utf-8"?>
+<file path=customXml/itemProps1.xml><?xml version="1.0" encoding="utf-8"?>
 <ds:datastoreItem xmlns:ds="http://schemas.openxmlformats.org/officeDocument/2006/customXml" ds:itemID="{1CEDFB73-5D7B-437A-8BF0-270237E51025}">
   <ds:schemaRefs>
     <ds:schemaRef ds:uri="http://schemas.microsoft.com/office/2006/metadata/contentType"/>
@@ -35006,4 +35231,23 @@
     <ds:schemaRef ds:uri="http://schemas.microsoft.com/internal/obd"/>
   </ds:schemaRefs>
 </ds:datastoreItem>
+</file>
+
+<file path=customXml/itemProps2.xml><?xml version="1.0" encoding="utf-8"?>
+<ds:datastoreItem xmlns:ds="http://schemas.openxmlformats.org/officeDocument/2006/customXml" ds:itemID="{758FDAC0-319D-4A54-8D8E-1D42CB1F8004}">
+  <ds:schemaRefs>
+    <ds:schemaRef ds:uri="http://schemas.microsoft.com/sharepoint/v3/contenttype/forms"/>
+  </ds:schemaRefs>
+</ds:datastoreItem>
+</file>
+
+<file path=customXml/itemProps3.xml><?xml version="1.0" encoding="utf-8"?>
+<ds:datastoreItem xmlns:ds="http://schemas.openxmlformats.org/officeDocument/2006/customXml" ds:itemID="{F990F116-B58F-4255-B05B-DA3808E0E5C6}">
+  <ds:schemaRefs>
+    <ds:schemaRef ds:uri="http://schemas.microsoft.com/office/2006/metadata/properties"/>
+    <ds:schemaRef ds:uri="http://schemas.microsoft.com/office/infopath/2007/PartnerControls"/>
+    <ds:schemaRef ds:uri="16dc66bd-df5a-4495-a5c9-5e296f49988a"/>
+    <ds:schemaRef ds:uri="http://schemas.microsoft.com/sharepoint/v3"/>
+  </ds:schemaRefs>
+</ds:datastoreItem>
 </file>
--- a/templates/template-speaker-v0.2.pptx
+++ b/templates/template-speaker-v0.2.pptx
@@ -2132,7 +2132,7 @@
               <a:rPr lang="en-US" smtClean="0">
                 <a:latin typeface="Segoe UI" pitchFamily="34" charset="0"/>
               </a:rPr>
-              <a:t>4/13/2020 10:56 PM</a:t>
+              <a:t>4/14/2020 10:38 AM</a:t>
             </a:fld>
             <a:endParaRPr lang="en-US">
               <a:latin typeface="Segoe UI" pitchFamily="34" charset="0"/>
@@ -2410,7 +2410,7 @@
           <a:p>
             <a:fld id="{386CE63F-9E7F-4C04-9D0D-FCA25A8E9E86}" type="datetime8">
               <a:rPr lang="en-US" smtClean="0"/>
-              <a:t>4/13/2020 10:56 PM</a:t>
+              <a:t>4/14/2020 10:38 AM</a:t>
             </a:fld>
             <a:endParaRPr lang="en-US"/>
           </a:p>
@@ -30766,7 +30766,7 @@
                   <a:lin ang="5400000" scaled="0"/>
                 </a:gradFill>
               </a:rPr>
-              <a:t>#gab2020kr</a:t>
+              <a:t>#gav2020kr</a:t>
             </a:r>
           </a:p>
         </p:txBody>
@@ -34942,6 +34942,15 @@
 </file>
 
 <file path=customXml/item1.xml><?xml version="1.0" encoding="utf-8"?>
+<?mso-contentType ?>
+<FormTemplates xmlns="http://schemas.microsoft.com/sharepoint/v3/contenttype/forms">
+  <Display>DocumentLibraryForm</Display>
+  <Edit>DocumentLibraryForm</Edit>
+  <New>DocumentLibraryForm</New>
+</FormTemplates>
+</file>
+
+<file path=customXml/item2.xml><?xml version="1.0" encoding="utf-8"?>
 <ct:contentTypeSchema xmlns:ct="http://schemas.microsoft.com/office/2006/metadata/contentType" xmlns:ma="http://schemas.microsoft.com/office/2006/metadata/properties/metaAttributes" ct:_="" ma:_="" ma:contentTypeName="Document" ma:contentTypeID="0x010100A33D2391BFF58241AEB203BD95DC1F89" ma:contentTypeVersion="17" ma:contentTypeDescription="Create a new document." ma:contentTypeScope="" ma:versionID="8ec581d6c997ba8fdfd9901fdcef9afd">
   <xsd:schema xmlns:xsd="http://www.w3.org/2001/XMLSchema" xmlns:xs="http://www.w3.org/2001/XMLSchema" xmlns:p="http://schemas.microsoft.com/office/2006/metadata/properties" xmlns:ns1="http://schemas.microsoft.com/sharepoint/v3" xmlns:ns2="16dc66bd-df5a-4495-a5c9-5e296f49988a" xmlns:ns3="12239fb0-26c0-4a37-b790-6c81fba9d0fc" targetNamespace="http://schemas.microsoft.com/office/2006/metadata/properties" ma:root="true" ma:fieldsID="db6400918fff18b1f0872009fae373a7" ns1:_="" ns2:_="" ns3:_="">
     <xsd:import namespace="http://schemas.microsoft.com/sharepoint/v3"/>
@@ -35193,15 +35202,6 @@
 </ct:contentTypeSchema>
 </file>
 
-<file path=customXml/item2.xml><?xml version="1.0" encoding="utf-8"?>
-<?mso-contentType ?>
-<FormTemplates xmlns="http://schemas.microsoft.com/sharepoint/v3/contenttype/forms">
-  <Display>DocumentLibraryForm</Display>
-  <Edit>DocumentLibraryForm</Edit>
-  <New>DocumentLibraryForm</New>
-</FormTemplates>
-</file>
-
 <file path=customXml/item3.xml><?xml version="1.0" encoding="utf-8"?>
 <p:properties xmlns:p="http://schemas.microsoft.com/office/2006/metadata/properties" xmlns:xsi="http://www.w3.org/2001/XMLSchema-instance" xmlns:pc="http://schemas.microsoft.com/office/infopath/2007/PartnerControls">
   <documentManagement>
@@ -35214,6 +35214,14 @@
 </file>
 
 <file path=customXml/itemProps1.xml><?xml version="1.0" encoding="utf-8"?>
+<ds:datastoreItem xmlns:ds="http://schemas.openxmlformats.org/officeDocument/2006/customXml" ds:itemID="{758FDAC0-319D-4A54-8D8E-1D42CB1F8004}">
+  <ds:schemaRefs>
+    <ds:schemaRef ds:uri="http://schemas.microsoft.com/sharepoint/v3/contenttype/forms"/>
+  </ds:schemaRefs>
+</ds:datastoreItem>
+</file>
+
+<file path=customXml/itemProps2.xml><?xml version="1.0" encoding="utf-8"?>
 <ds:datastoreItem xmlns:ds="http://schemas.openxmlformats.org/officeDocument/2006/customXml" ds:itemID="{1CEDFB73-5D7B-437A-8BF0-270237E51025}">
   <ds:schemaRefs>
     <ds:schemaRef ds:uri="http://schemas.microsoft.com/office/2006/metadata/contentType"/>
@@ -35233,14 +35241,6 @@
 </ds:datastoreItem>
 </file>
 
-<file path=customXml/itemProps2.xml><?xml version="1.0" encoding="utf-8"?>
-<ds:datastoreItem xmlns:ds="http://schemas.openxmlformats.org/officeDocument/2006/customXml" ds:itemID="{758FDAC0-319D-4A54-8D8E-1D42CB1F8004}">
-  <ds:schemaRefs>
-    <ds:schemaRef ds:uri="http://schemas.microsoft.com/sharepoint/v3/contenttype/forms"/>
-  </ds:schemaRefs>
-</ds:datastoreItem>
-</file>
-
 <file path=customXml/itemProps3.xml><?xml version="1.0" encoding="utf-8"?>
 <ds:datastoreItem xmlns:ds="http://schemas.openxmlformats.org/officeDocument/2006/customXml" ds:itemID="{F990F116-B58F-4255-B05B-DA3808E0E5C6}">
   <ds:schemaRefs>
